--- a/desarrollo_web_final.pptx
+++ b/desarrollo_web_final.pptx
@@ -207,7 +207,7 @@
           <a:p>
             <a:fld id="{EDD1CB09-47A0-4747-A3EF-60211EB910A3}" type="datetimeFigureOut">
               <a:rPr lang="en-US" smtClean="0"/>
-              <a:t>11/10/2024</a:t>
+              <a:t>11/11/2024</a:t>
             </a:fld>
             <a:endParaRPr lang="en-US"/>
           </a:p>
@@ -1687,7 +1687,7 @@
             <a:fld id="{9334D819-9F07-4261-B09B-9E467E5D9002}" type="datetimeFigureOut">
               <a:rPr lang="en-US" dirty="0"/>
               <a:pPr/>
-              <a:t>11/10/2024</a:t>
+              <a:t>11/11/2024</a:t>
             </a:fld>
             <a:endParaRPr lang="en-US" dirty="0"/>
           </a:p>
@@ -1921,7 +1921,7 @@
           <a:p>
             <a:fld id="{9334D819-9F07-4261-B09B-9E467E5D9002}" type="datetimeFigureOut">
               <a:rPr lang="en-US" dirty="0"/>
-              <a:t>11/10/2024</a:t>
+              <a:t>11/11/2024</a:t>
             </a:fld>
             <a:endParaRPr lang="en-US" dirty="0"/>
           </a:p>
@@ -2096,7 +2096,7 @@
           <a:p>
             <a:fld id="{9334D819-9F07-4261-B09B-9E467E5D9002}" type="datetimeFigureOut">
               <a:rPr lang="en-US" dirty="0"/>
-              <a:t>11/10/2024</a:t>
+              <a:t>11/11/2024</a:t>
             </a:fld>
             <a:endParaRPr lang="en-US" dirty="0"/>
           </a:p>
@@ -2261,7 +2261,7 @@
           <a:p>
             <a:fld id="{9334D819-9F07-4261-B09B-9E467E5D9002}" type="datetimeFigureOut">
               <a:rPr lang="en-US" dirty="0"/>
-              <a:t>11/10/2024</a:t>
+              <a:t>11/11/2024</a:t>
             </a:fld>
             <a:endParaRPr lang="en-US" dirty="0"/>
           </a:p>
@@ -2530,7 +2530,7 @@
             <a:fld id="{9334D819-9F07-4261-B09B-9E467E5D9002}" type="datetimeFigureOut">
               <a:rPr lang="en-US" dirty="0"/>
               <a:pPr/>
-              <a:t>11/10/2024</a:t>
+              <a:t>11/11/2024</a:t>
             </a:fld>
             <a:endParaRPr lang="en-US" dirty="0"/>
           </a:p>
@@ -3727,7 +3727,7 @@
           <a:p>
             <a:fld id="{9334D819-9F07-4261-B09B-9E467E5D9002}" type="datetimeFigureOut">
               <a:rPr lang="en-US" dirty="0"/>
-              <a:t>11/10/2024</a:t>
+              <a:t>11/11/2024</a:t>
             </a:fld>
             <a:endParaRPr lang="en-US" dirty="0"/>
           </a:p>
@@ -4112,7 +4112,7 @@
           <a:p>
             <a:fld id="{9334D819-9F07-4261-B09B-9E467E5D9002}" type="datetimeFigureOut">
               <a:rPr lang="en-US" dirty="0"/>
-              <a:t>11/10/2024</a:t>
+              <a:t>11/11/2024</a:t>
             </a:fld>
             <a:endParaRPr lang="en-US" dirty="0"/>
           </a:p>
@@ -4230,7 +4230,7 @@
           <a:p>
             <a:fld id="{9334D819-9F07-4261-B09B-9E467E5D9002}" type="datetimeFigureOut">
               <a:rPr lang="en-US" dirty="0"/>
-              <a:t>11/10/2024</a:t>
+              <a:t>11/11/2024</a:t>
             </a:fld>
             <a:endParaRPr lang="en-US" dirty="0"/>
           </a:p>
@@ -4320,7 +4320,7 @@
           <a:p>
             <a:fld id="{9334D819-9F07-4261-B09B-9E467E5D9002}" type="datetimeFigureOut">
               <a:rPr lang="en-US" dirty="0"/>
-              <a:t>11/10/2024</a:t>
+              <a:t>11/11/2024</a:t>
             </a:fld>
             <a:endParaRPr lang="en-US" dirty="0"/>
           </a:p>
@@ -5078,7 +5078,7 @@
           <a:p>
             <a:fld id="{9334D819-9F07-4261-B09B-9E467E5D9002}" type="datetimeFigureOut">
               <a:rPr lang="en-US" dirty="0"/>
-              <a:t>11/10/2024</a:t>
+              <a:t>11/11/2024</a:t>
             </a:fld>
             <a:endParaRPr lang="en-US" dirty="0"/>
           </a:p>
@@ -5913,7 +5913,7 @@
           <a:p>
             <a:fld id="{9334D819-9F07-4261-B09B-9E467E5D9002}" type="datetimeFigureOut">
               <a:rPr lang="en-US" dirty="0"/>
-              <a:t>11/10/2024</a:t>
+              <a:t>11/11/2024</a:t>
             </a:fld>
             <a:endParaRPr lang="en-US" dirty="0"/>
           </a:p>
@@ -6136,7 +6136,7 @@
             <a:fld id="{9334D819-9F07-4261-B09B-9E467E5D9002}" type="datetimeFigureOut">
               <a:rPr lang="en-US" dirty="0"/>
               <a:pPr/>
-              <a:t>11/10/2024</a:t>
+              <a:t>11/11/2024</a:t>
             </a:fld>
             <a:endParaRPr lang="en-US" dirty="0"/>
           </a:p>
